--- a/L0_Introduction.pptx
+++ b/L0_Introduction.pptx
@@ -127,7 +127,7 @@
 <file path=ppt/revisionInfo.xml><?xml version="1.0" encoding="utf-8"?>
 <p1510:revInfo xmlns:a="http://schemas.openxmlformats.org/drawingml/2006/main" xmlns:r="http://schemas.openxmlformats.org/officeDocument/2006/relationships" xmlns:p1510="http://schemas.microsoft.com/office/powerpoint/2015/10/main">
   <p1510:revLst>
-    <p1510:client id="{53C66047-A4E4-44DD-8E0D-2B8F6381A4FB}" v="3" dt="2025-01-26T18:28:56.967"/>
+    <p1510:client id="{53C66047-A4E4-44DD-8E0D-2B8F6381A4FB}" v="245" dt="2025-01-29T12:34:22.881"/>
   </p1510:revLst>
 </p1510:revInfo>
 </file>
@@ -136,8 +136,8 @@
 <pc:chgInfo xmlns:a="http://schemas.openxmlformats.org/drawingml/2006/main" xmlns:r="http://schemas.openxmlformats.org/officeDocument/2006/relationships" xmlns:ac="http://schemas.microsoft.com/office/drawing/2013/main/command" xmlns:pc="http://schemas.microsoft.com/office/powerpoint/2013/main/command">
   <pc:docChgLst>
     <pc:chgData name="Panagiotis Herodotou" userId="0b8fad50-1c08-48a8-90b9-05d71b208ccb" providerId="ADAL" clId="{53C66047-A4E4-44DD-8E0D-2B8F6381A4FB}"/>
-    <pc:docChg chg="custSel addSld modSld sldOrd">
-      <pc:chgData name="Panagiotis Herodotou" userId="0b8fad50-1c08-48a8-90b9-05d71b208ccb" providerId="ADAL" clId="{53C66047-A4E4-44DD-8E0D-2B8F6381A4FB}" dt="2025-01-28T17:26:24.571" v="347" actId="20577"/>
+    <pc:docChg chg="undo redo custSel addSld modSld sldOrd">
+      <pc:chgData name="Panagiotis Herodotou" userId="0b8fad50-1c08-48a8-90b9-05d71b208ccb" providerId="ADAL" clId="{53C66047-A4E4-44DD-8E0D-2B8F6381A4FB}" dt="2025-01-29T12:35:16.808" v="853" actId="20577"/>
       <pc:docMkLst>
         <pc:docMk/>
       </pc:docMkLst>
@@ -147,6 +147,51 @@
           <pc:docMk/>
           <pc:sldMk cId="1912274229" sldId="256"/>
         </pc:sldMkLst>
+      </pc:sldChg>
+      <pc:sldChg chg="modSp">
+        <pc:chgData name="Panagiotis Herodotou" userId="0b8fad50-1c08-48a8-90b9-05d71b208ccb" providerId="ADAL" clId="{53C66047-A4E4-44DD-8E0D-2B8F6381A4FB}" dt="2025-01-28T19:47:57.258" v="370" actId="20577"/>
+        <pc:sldMkLst>
+          <pc:docMk/>
+          <pc:sldMk cId="4134341266" sldId="321"/>
+        </pc:sldMkLst>
+        <pc:graphicFrameChg chg="mod">
+          <ac:chgData name="Panagiotis Herodotou" userId="0b8fad50-1c08-48a8-90b9-05d71b208ccb" providerId="ADAL" clId="{53C66047-A4E4-44DD-8E0D-2B8F6381A4FB}" dt="2025-01-28T19:47:57.258" v="370" actId="20577"/>
+          <ac:graphicFrameMkLst>
+            <pc:docMk/>
+            <pc:sldMk cId="4134341266" sldId="321"/>
+            <ac:graphicFrameMk id="7" creationId="{DAC44C09-4F19-3665-F470-CE2A33FF8DBD}"/>
+          </ac:graphicFrameMkLst>
+        </pc:graphicFrameChg>
+      </pc:sldChg>
+      <pc:sldChg chg="modSp mod">
+        <pc:chgData name="Panagiotis Herodotou" userId="0b8fad50-1c08-48a8-90b9-05d71b208ccb" providerId="ADAL" clId="{53C66047-A4E4-44DD-8E0D-2B8F6381A4FB}" dt="2025-01-29T12:35:16.808" v="853" actId="20577"/>
+        <pc:sldMkLst>
+          <pc:docMk/>
+          <pc:sldMk cId="2023408695" sldId="322"/>
+        </pc:sldMkLst>
+        <pc:spChg chg="mod">
+          <ac:chgData name="Panagiotis Herodotou" userId="0b8fad50-1c08-48a8-90b9-05d71b208ccb" providerId="ADAL" clId="{53C66047-A4E4-44DD-8E0D-2B8F6381A4FB}" dt="2025-01-29T12:35:16.808" v="853" actId="20577"/>
+          <ac:spMkLst>
+            <pc:docMk/>
+            <pc:sldMk cId="2023408695" sldId="322"/>
+            <ac:spMk id="3" creationId="{0FB9251D-C759-DDC4-B939-2B20A430F16D}"/>
+          </ac:spMkLst>
+        </pc:spChg>
+      </pc:sldChg>
+      <pc:sldChg chg="modSp mod">
+        <pc:chgData name="Panagiotis Herodotou" userId="0b8fad50-1c08-48a8-90b9-05d71b208ccb" providerId="ADAL" clId="{53C66047-A4E4-44DD-8E0D-2B8F6381A4FB}" dt="2025-01-29T12:34:22.881" v="846" actId="20577"/>
+        <pc:sldMkLst>
+          <pc:docMk/>
+          <pc:sldMk cId="4266541275" sldId="337"/>
+        </pc:sldMkLst>
+        <pc:graphicFrameChg chg="mod modGraphic">
+          <ac:chgData name="Panagiotis Herodotou" userId="0b8fad50-1c08-48a8-90b9-05d71b208ccb" providerId="ADAL" clId="{53C66047-A4E4-44DD-8E0D-2B8F6381A4FB}" dt="2025-01-29T12:34:22.881" v="846" actId="20577"/>
+          <ac:graphicFrameMkLst>
+            <pc:docMk/>
+            <pc:sldMk cId="4266541275" sldId="337"/>
+            <ac:graphicFrameMk id="7" creationId="{3E977394-0CF1-0933-57BF-963EB14D8DDD}"/>
+          </ac:graphicFrameMkLst>
+        </pc:graphicFrameChg>
       </pc:sldChg>
       <pc:sldChg chg="modSp mod">
         <pc:chgData name="Panagiotis Herodotou" userId="0b8fad50-1c08-48a8-90b9-05d71b208ccb" providerId="ADAL" clId="{53C66047-A4E4-44DD-8E0D-2B8F6381A4FB}" dt="2025-01-28T14:54:05.644" v="344" actId="20577"/>
@@ -163,26 +208,58 @@
           </ac:graphicFrameMkLst>
         </pc:graphicFrameChg>
       </pc:sldChg>
-      <pc:sldChg chg="modSp new mod ord">
-        <pc:chgData name="Panagiotis Herodotou" userId="0b8fad50-1c08-48a8-90b9-05d71b208ccb" providerId="ADAL" clId="{53C66047-A4E4-44DD-8E0D-2B8F6381A4FB}" dt="2025-01-26T18:30:07.914" v="299"/>
+      <pc:sldChg chg="addSp delSp modSp new mod ord modClrScheme chgLayout">
+        <pc:chgData name="Panagiotis Herodotou" userId="0b8fad50-1c08-48a8-90b9-05d71b208ccb" providerId="ADAL" clId="{53C66047-A4E4-44DD-8E0D-2B8F6381A4FB}" dt="2025-01-29T12:32:43.892" v="844" actId="20577"/>
         <pc:sldMkLst>
           <pc:docMk/>
           <pc:sldMk cId="1084146890" sldId="343"/>
         </pc:sldMkLst>
-        <pc:spChg chg="mod">
-          <ac:chgData name="Panagiotis Herodotou" userId="0b8fad50-1c08-48a8-90b9-05d71b208ccb" providerId="ADAL" clId="{53C66047-A4E4-44DD-8E0D-2B8F6381A4FB}" dt="2025-01-26T18:29:55.041" v="295" actId="20577"/>
+        <pc:spChg chg="mod ord">
+          <ac:chgData name="Panagiotis Herodotou" userId="0b8fad50-1c08-48a8-90b9-05d71b208ccb" providerId="ADAL" clId="{53C66047-A4E4-44DD-8E0D-2B8F6381A4FB}" dt="2025-01-29T11:58:22.350" v="475" actId="700"/>
           <ac:spMkLst>
             <pc:docMk/>
             <pc:sldMk cId="1084146890" sldId="343"/>
             <ac:spMk id="2" creationId="{8B1C050A-2FB6-B2B6-36C5-D4B5C565FAF3}"/>
           </ac:spMkLst>
         </pc:spChg>
-        <pc:spChg chg="mod">
-          <ac:chgData name="Panagiotis Herodotou" userId="0b8fad50-1c08-48a8-90b9-05d71b208ccb" providerId="ADAL" clId="{53C66047-A4E4-44DD-8E0D-2B8F6381A4FB}" dt="2025-01-26T18:29:47.108" v="282" actId="6549"/>
+        <pc:spChg chg="mod ord">
+          <ac:chgData name="Panagiotis Herodotou" userId="0b8fad50-1c08-48a8-90b9-05d71b208ccb" providerId="ADAL" clId="{53C66047-A4E4-44DD-8E0D-2B8F6381A4FB}" dt="2025-01-29T12:32:43.892" v="844" actId="20577"/>
           <ac:spMkLst>
             <pc:docMk/>
             <pc:sldMk cId="1084146890" sldId="343"/>
             <ac:spMk id="3" creationId="{B50C0E43-171E-C20E-467A-59B5B47D4916}"/>
+          </ac:spMkLst>
+        </pc:spChg>
+        <pc:spChg chg="add del mod ord">
+          <ac:chgData name="Panagiotis Herodotou" userId="0b8fad50-1c08-48a8-90b9-05d71b208ccb" providerId="ADAL" clId="{53C66047-A4E4-44DD-8E0D-2B8F6381A4FB}" dt="2025-01-29T11:58:22.350" v="475" actId="700"/>
+          <ac:spMkLst>
+            <pc:docMk/>
+            <pc:sldMk cId="1084146890" sldId="343"/>
+            <ac:spMk id="4" creationId="{ACF505CB-89E1-9B70-C3D3-AE96AE7C8983}"/>
+          </ac:spMkLst>
+        </pc:spChg>
+        <pc:spChg chg="add del mod ord">
+          <ac:chgData name="Panagiotis Herodotou" userId="0b8fad50-1c08-48a8-90b9-05d71b208ccb" providerId="ADAL" clId="{53C66047-A4E4-44DD-8E0D-2B8F6381A4FB}" dt="2025-01-29T11:58:21.758" v="474" actId="700"/>
+          <ac:spMkLst>
+            <pc:docMk/>
+            <pc:sldMk cId="1084146890" sldId="343"/>
+            <ac:spMk id="5" creationId="{57EA49A4-D0FA-AD32-5817-A8D2C6CADB15}"/>
+          </ac:spMkLst>
+        </pc:spChg>
+        <pc:spChg chg="add del mod ord">
+          <ac:chgData name="Panagiotis Herodotou" userId="0b8fad50-1c08-48a8-90b9-05d71b208ccb" providerId="ADAL" clId="{53C66047-A4E4-44DD-8E0D-2B8F6381A4FB}" dt="2025-01-29T11:58:21.758" v="474" actId="700"/>
+          <ac:spMkLst>
+            <pc:docMk/>
+            <pc:sldMk cId="1084146890" sldId="343"/>
+            <ac:spMk id="6" creationId="{C9B2CA4F-DF4C-714F-77BF-640731BB2EE6}"/>
+          </ac:spMkLst>
+        </pc:spChg>
+        <pc:spChg chg="add del mod ord">
+          <ac:chgData name="Panagiotis Herodotou" userId="0b8fad50-1c08-48a8-90b9-05d71b208ccb" providerId="ADAL" clId="{53C66047-A4E4-44DD-8E0D-2B8F6381A4FB}" dt="2025-01-29T11:58:21.758" v="474" actId="700"/>
+          <ac:spMkLst>
+            <pc:docMk/>
+            <pc:sldMk cId="1084146890" sldId="343"/>
+            <ac:spMk id="7" creationId="{C28CAE9F-97ED-6A68-CF30-90B7A584EB21}"/>
           </ac:spMkLst>
         </pc:spChg>
       </pc:sldChg>
@@ -216,30 +293,6 @@
           <pc:docMk/>
           <pc:sldMk cId="4266541275" sldId="337"/>
         </pc:sldMkLst>
-        <pc:spChg chg="add mod">
-          <ac:chgData name="Panagiotis Herodotou" userId="0b8fad50-1c08-48a8-90b9-05d71b208ccb" providerId="ADAL" clId="{D0E52C18-80C9-467F-8A28-DEE091FFE148}" dt="2025-01-27T12:18:05.829" v="27"/>
-          <ac:spMkLst>
-            <pc:docMk/>
-            <pc:sldMk cId="4266541275" sldId="337"/>
-            <ac:spMk id="4" creationId="{53C99F74-BC92-1598-9701-466374DFEEE2}"/>
-          </ac:spMkLst>
-        </pc:spChg>
-        <pc:spChg chg="add mod">
-          <ac:chgData name="Panagiotis Herodotou" userId="0b8fad50-1c08-48a8-90b9-05d71b208ccb" providerId="ADAL" clId="{D0E52C18-80C9-467F-8A28-DEE091FFE148}" dt="2025-01-27T12:18:05.829" v="27"/>
-          <ac:spMkLst>
-            <pc:docMk/>
-            <pc:sldMk cId="4266541275" sldId="337"/>
-            <ac:spMk id="5" creationId="{008F5D58-CDC6-2CC1-0824-57CE3444D08A}"/>
-          </ac:spMkLst>
-        </pc:spChg>
-        <pc:grpChg chg="add mod">
-          <ac:chgData name="Panagiotis Herodotou" userId="0b8fad50-1c08-48a8-90b9-05d71b208ccb" providerId="ADAL" clId="{D0E52C18-80C9-467F-8A28-DEE091FFE148}" dt="2025-01-27T12:18:05.829" v="27"/>
-          <ac:grpSpMkLst>
-            <pc:docMk/>
-            <pc:sldMk cId="4266541275" sldId="337"/>
-            <ac:grpSpMk id="3" creationId="{099C33E0-F858-FF23-6232-42AB66EFFD8D}"/>
-          </ac:grpSpMkLst>
-        </pc:grpChg>
         <pc:graphicFrameChg chg="mod">
           <ac:chgData name="Panagiotis Herodotou" userId="0b8fad50-1c08-48a8-90b9-05d71b208ccb" providerId="ADAL" clId="{D0E52C18-80C9-467F-8A28-DEE091FFE148}" dt="2025-01-27T12:17:35.376" v="2"/>
           <ac:graphicFrameMkLst>
@@ -4937,11 +4990,26 @@
         <a:lstStyle/>
         <a:p>
           <a:pPr>
+            <a:lnSpc>
+              <a:spcPct val="100000"/>
+            </a:lnSpc>
             <a:defRPr b="1"/>
           </a:pPr>
           <a:r>
             <a:rPr lang="en-US" sz="2400" dirty="0"/>
-            <a:t>Easy to learn and widely used in various fields such as:</a:t>
+            <a:t>Easy to learn and widely used in various fields </a:t>
+          </a:r>
+          <a:r>
+            <a:rPr lang="en-US" sz="2400" dirty="0" err="1"/>
+            <a:t>su</a:t>
+          </a:r>
+          <a:r>
+            <a:rPr lang="en-NL" sz="2400" dirty="0"/>
+            <a:t>c</a:t>
+          </a:r>
+          <a:r>
+            <a:rPr lang="en-US" sz="2400" dirty="0"/>
+            <a:t>h as:</a:t>
           </a:r>
         </a:p>
       </dgm:t>
@@ -4975,10 +5043,20 @@
         <a:bodyPr/>
         <a:lstStyle/>
         <a:p>
+          <a:pPr>
+            <a:lnSpc>
+              <a:spcPct val="100000"/>
+            </a:lnSpc>
+          </a:pPr>
           <a:r>
             <a:rPr lang="en-US" sz="2000" dirty="0"/>
             <a:t>Data Science</a:t>
           </a:r>
+          <a:r>
+            <a:rPr lang="en-NL" sz="2000" dirty="0"/>
+            <a:t> &amp; Statistics</a:t>
+          </a:r>
+          <a:endParaRPr lang="en-US" sz="2000" dirty="0"/>
         </a:p>
       </dgm:t>
     </dgm:pt>
@@ -5011,6 +5089,11 @@
         <a:bodyPr/>
         <a:lstStyle/>
         <a:p>
+          <a:pPr>
+            <a:lnSpc>
+              <a:spcPct val="100000"/>
+            </a:lnSpc>
+          </a:pPr>
           <a:r>
             <a:rPr lang="en-US" sz="2000" dirty="0"/>
             <a:t>Web Development</a:t>
@@ -5047,6 +5130,11 @@
         <a:bodyPr/>
         <a:lstStyle/>
         <a:p>
+          <a:pPr>
+            <a:lnSpc>
+              <a:spcPct val="100000"/>
+            </a:lnSpc>
+          </a:pPr>
           <a:r>
             <a:rPr lang="en-US" sz="2000" dirty="0"/>
             <a:t>Automation</a:t>
@@ -5083,6 +5171,11 @@
         <a:bodyPr/>
         <a:lstStyle/>
         <a:p>
+          <a:pPr>
+            <a:lnSpc>
+              <a:spcPct val="100000"/>
+            </a:lnSpc>
+          </a:pPr>
           <a:r>
             <a:rPr lang="en-US" sz="2000" dirty="0"/>
             <a:t>Machine Learning</a:t>
@@ -5119,6 +5212,11 @@
         <a:bodyPr/>
         <a:lstStyle/>
         <a:p>
+          <a:pPr>
+            <a:lnSpc>
+              <a:spcPct val="100000"/>
+            </a:lnSpc>
+          </a:pPr>
           <a:r>
             <a:rPr lang="en-US" sz="2000" dirty="0"/>
             <a:t>Game Development</a:t>
@@ -5156,10 +5254,13 @@
         <a:lstStyle/>
         <a:p>
           <a:pPr>
+            <a:lnSpc>
+              <a:spcPct val="100000"/>
+            </a:lnSpc>
             <a:defRPr b="1"/>
           </a:pPr>
           <a:r>
-            <a:rPr lang="en-US" sz="2400"/>
+            <a:rPr lang="en-US" sz="2400" dirty="0"/>
             <a:t>High demand in the job market.</a:t>
           </a:r>
         </a:p>
@@ -5177,6 +5278,92 @@
       </dgm:t>
     </dgm:pt>
     <dgm:pt modelId="{76551C4A-29CF-459B-B6D3-18253764FE77}" type="sibTrans" cxnId="{01FDF348-585B-41E2-898A-34B5656F38D7}">
+      <dgm:prSet/>
+      <dgm:spPr/>
+      <dgm:t>
+        <a:bodyPr/>
+        <a:lstStyle/>
+        <a:p>
+          <a:endParaRPr lang="en-US"/>
+        </a:p>
+      </dgm:t>
+    </dgm:pt>
+    <dgm:pt modelId="{85E9DD51-93BE-4FCA-A76E-95DD9F10C8F6}">
+      <dgm:prSet custT="1"/>
+      <dgm:spPr/>
+      <dgm:t>
+        <a:bodyPr/>
+        <a:lstStyle/>
+        <a:p>
+          <a:pPr>
+            <a:lnSpc>
+              <a:spcPct val="100000"/>
+            </a:lnSpc>
+          </a:pPr>
+          <a:r>
+            <a:rPr lang="en-NL" sz="2000" dirty="0"/>
+            <a:t>Data Analysts</a:t>
+          </a:r>
+        </a:p>
+        <a:p>
+          <a:pPr>
+            <a:lnSpc>
+              <a:spcPct val="100000"/>
+            </a:lnSpc>
+          </a:pPr>
+          <a:r>
+            <a:rPr lang="en-NL" sz="2000" dirty="0"/>
+            <a:t>Software engineers</a:t>
+          </a:r>
+        </a:p>
+        <a:p>
+          <a:pPr>
+            <a:lnSpc>
+              <a:spcPct val="100000"/>
+            </a:lnSpc>
+          </a:pPr>
+          <a:r>
+            <a:rPr lang="en-NL" sz="2000" dirty="0"/>
+            <a:t>Robotics, IoT</a:t>
+          </a:r>
+        </a:p>
+        <a:p>
+          <a:pPr>
+            <a:lnSpc>
+              <a:spcPct val="100000"/>
+            </a:lnSpc>
+          </a:pPr>
+          <a:r>
+            <a:rPr lang="en-NL" sz="2000" dirty="0"/>
+            <a:t>Bioinformatics</a:t>
+          </a:r>
+        </a:p>
+        <a:p>
+          <a:pPr>
+            <a:lnSpc>
+              <a:spcPct val="100000"/>
+            </a:lnSpc>
+          </a:pPr>
+          <a:r>
+            <a:rPr lang="en-NL" sz="2000" dirty="0"/>
+            <a:t>Finance</a:t>
+          </a:r>
+          <a:endParaRPr lang="en-US" sz="2000" dirty="0"/>
+        </a:p>
+      </dgm:t>
+    </dgm:pt>
+    <dgm:pt modelId="{49E56752-39E3-432B-B3A0-6E3A5A656713}" type="parTrans" cxnId="{077DE0EE-8F64-4D05-BD35-2F8063469518}">
+      <dgm:prSet/>
+      <dgm:spPr/>
+      <dgm:t>
+        <a:bodyPr/>
+        <a:lstStyle/>
+        <a:p>
+          <a:endParaRPr lang="en-US"/>
+        </a:p>
+      </dgm:t>
+    </dgm:pt>
+    <dgm:pt modelId="{C98D9B8A-9DB5-42DD-84D9-AF5895F49115}" type="sibTrans" cxnId="{077DE0EE-8F64-4D05-BD35-2F8063469518}">
       <dgm:prSet/>
       <dgm:spPr/>
       <dgm:t>
@@ -5327,6 +5514,8 @@
     <dgm:cxn modelId="{80B902B5-39DD-4C70-85E6-17362722F4BA}" type="presOf" srcId="{F80AE602-084F-4829-ACBF-0494906F1B8E}" destId="{01E6FDE7-BA66-44FE-972F-2E32DCC58426}" srcOrd="0" destOrd="2" presId="urn:microsoft.com/office/officeart/2018/5/layout/CenteredIconLabelDescriptionList"/>
     <dgm:cxn modelId="{2F4BA5BE-FF57-4F60-9EBB-5FDD28B6C4CA}" srcId="{A286B426-19FD-4A9B-8F78-40B1A867CC3A}" destId="{A930BF77-9E1F-439B-A641-8F13E5D69CAE}" srcOrd="0" destOrd="0" parTransId="{7E1200A6-1A5C-4283-9B94-0E419FF32665}" sibTransId="{8D077B3A-ED13-4B9F-8010-64FFEF945094}"/>
     <dgm:cxn modelId="{E2B8FAC4-6C90-4603-8806-B04EB749D26E}" srcId="{A930BF77-9E1F-439B-A641-8F13E5D69CAE}" destId="{F80AE602-084F-4829-ACBF-0494906F1B8E}" srcOrd="2" destOrd="0" parTransId="{F0E84EF9-747D-42DC-A320-ED063649C534}" sibTransId="{DC01E46F-73DC-497F-9D33-5360280C75AB}"/>
+    <dgm:cxn modelId="{F460CDE0-0E31-49CF-8C31-7D5704D7782B}" type="presOf" srcId="{85E9DD51-93BE-4FCA-A76E-95DD9F10C8F6}" destId="{77DBCF03-20BE-43F1-ADAE-79233FA47159}" srcOrd="0" destOrd="0" presId="urn:microsoft.com/office/officeart/2018/5/layout/CenteredIconLabelDescriptionList"/>
+    <dgm:cxn modelId="{077DE0EE-8F64-4D05-BD35-2F8063469518}" srcId="{EE7077F0-8301-4D82-A61C-B55791062612}" destId="{85E9DD51-93BE-4FCA-A76E-95DD9F10C8F6}" srcOrd="0" destOrd="0" parTransId="{49E56752-39E3-432B-B3A0-6E3A5A656713}" sibTransId="{C98D9B8A-9DB5-42DD-84D9-AF5895F49115}"/>
     <dgm:cxn modelId="{289503C7-12EE-48FE-9E10-7C21A905B927}" type="presParOf" srcId="{C1CF26B6-81F4-417D-B092-1D3132FF3349}" destId="{A58C46DB-4804-4008-A6CD-BCE34287EAA3}" srcOrd="0" destOrd="0" presId="urn:microsoft.com/office/officeart/2018/5/layout/CenteredIconLabelDescriptionList"/>
     <dgm:cxn modelId="{B8B7E5A5-25F5-4475-B92D-7D39AA351FEB}" type="presParOf" srcId="{A58C46DB-4804-4008-A6CD-BCE34287EAA3}" destId="{FC4625FD-DD53-4747-81F3-290DA194994F}" srcOrd="0" destOrd="0" presId="urn:microsoft.com/office/officeart/2018/5/layout/CenteredIconLabelDescriptionList"/>
     <dgm:cxn modelId="{36A199C1-2C57-42DF-956C-C07DC5A62B8C}" type="presParOf" srcId="{A58C46DB-4804-4008-A6CD-BCE34287EAA3}" destId="{DC15B917-BF26-4A70-BD6C-6ED198EC2864}" srcOrd="1" destOrd="0" presId="urn:microsoft.com/office/officeart/2018/5/layout/CenteredIconLabelDescriptionList"/>
@@ -6317,12 +6506,8 @@
             </a:lnSpc>
           </a:pPr>
           <a:r>
-            <a:rPr lang="en-NL" dirty="0"/>
-            <a:t>PHAETHON </a:t>
-          </a:r>
-          <a:r>
-            <a:rPr lang="en-NL" dirty="0" err="1"/>
-            <a:t>CoE</a:t>
+            <a:rPr lang="en-NL"/>
+            <a:t>PhD Student MME</a:t>
           </a:r>
           <a:endParaRPr lang="en-US" dirty="0"/>
         </a:p>
@@ -6374,18 +6559,6 @@
             <a:t>pherod01@ucy.ac.cy</a:t>
           </a:r>
           <a:endParaRPr lang="en-NL" dirty="0"/>
-        </a:p>
-        <a:p>
-          <a:pPr>
-            <a:lnSpc>
-              <a:spcPct val="100000"/>
-            </a:lnSpc>
-          </a:pPr>
-          <a:r>
-            <a:rPr lang="en-NL" dirty="0"/>
-            <a:t>94055169</a:t>
-          </a:r>
-          <a:endParaRPr lang="en-US" dirty="0"/>
         </a:p>
       </dgm:t>
     </dgm:pt>
@@ -6571,8 +6744,8 @@
       </dsp:nvSpPr>
       <dsp:spPr>
         <a:xfrm>
-          <a:off x="1738416" y="7172"/>
-          <a:ext cx="1510523" cy="1510523"/>
+          <a:off x="1741630" y="0"/>
+          <a:ext cx="1509048" cy="1436205"/>
         </a:xfrm>
         <a:prstGeom prst="rect">
           <a:avLst/>
@@ -6620,8 +6793,8 @@
       </dsp:nvSpPr>
       <dsp:spPr>
         <a:xfrm>
-          <a:off x="335787" y="1702862"/>
-          <a:ext cx="4315781" cy="687827"/>
+          <a:off x="340371" y="1612847"/>
+          <a:ext cx="4311566" cy="712386"/>
         </a:xfrm>
         <a:prstGeom prst="rect">
           <a:avLst/>
@@ -6652,7 +6825,7 @@
         <a:p>
           <a:pPr marL="0" lvl="0" indent="0" algn="ctr" defTabSz="1066800">
             <a:lnSpc>
-              <a:spcPct val="90000"/>
+              <a:spcPct val="100000"/>
             </a:lnSpc>
             <a:spcBef>
               <a:spcPct val="0"/>
@@ -6665,13 +6838,25 @@
           </a:pPr>
           <a:r>
             <a:rPr lang="en-US" sz="2400" kern="1200" dirty="0"/>
-            <a:t>Easy to learn and widely used in various fields such as:</a:t>
+            <a:t>Easy to learn and widely used in various fields </a:t>
+          </a:r>
+          <a:r>
+            <a:rPr lang="en-US" sz="2400" kern="1200" dirty="0" err="1"/>
+            <a:t>su</a:t>
+          </a:r>
+          <a:r>
+            <a:rPr lang="en-NL" sz="2400" kern="1200" dirty="0"/>
+            <a:t>c</a:t>
+          </a:r>
+          <a:r>
+            <a:rPr lang="en-US" sz="2400" kern="1200" dirty="0"/>
+            <a:t>h as:</a:t>
           </a:r>
         </a:p>
       </dsp:txBody>
       <dsp:txXfrm>
-        <a:off x="335787" y="1702862"/>
-        <a:ext cx="4315781" cy="687827"/>
+        <a:off x="340371" y="1612847"/>
+        <a:ext cx="4311566" cy="712386"/>
       </dsp:txXfrm>
     </dsp:sp>
     <dsp:sp modelId="{01E6FDE7-BA66-44FE-972F-2E32DCC58426}">
@@ -6681,8 +6866,8 @@
       </dsp:nvSpPr>
       <dsp:spPr>
         <a:xfrm>
-          <a:off x="335787" y="2476814"/>
-          <a:ext cx="4315781" cy="1836553"/>
+          <a:off x="340371" y="2407393"/>
+          <a:ext cx="4311566" cy="1913146"/>
         </a:xfrm>
         <a:prstGeom prst="rect">
           <a:avLst/>
@@ -6713,7 +6898,7 @@
         <a:p>
           <a:pPr marL="0" lvl="0" indent="0" algn="ctr" defTabSz="889000">
             <a:lnSpc>
-              <a:spcPct val="90000"/>
+              <a:spcPct val="100000"/>
             </a:lnSpc>
             <a:spcBef>
               <a:spcPct val="0"/>
@@ -6727,11 +6912,16 @@
             <a:rPr lang="en-US" sz="2000" kern="1200" dirty="0"/>
             <a:t>Data Science</a:t>
           </a:r>
+          <a:r>
+            <a:rPr lang="en-NL" sz="2000" kern="1200" dirty="0"/>
+            <a:t> &amp; Statistics</a:t>
+          </a:r>
+          <a:endParaRPr lang="en-US" sz="2000" kern="1200" dirty="0"/>
         </a:p>
         <a:p>
           <a:pPr marL="0" lvl="0" indent="0" algn="ctr" defTabSz="889000">
             <a:lnSpc>
-              <a:spcPct val="90000"/>
+              <a:spcPct val="100000"/>
             </a:lnSpc>
             <a:spcBef>
               <a:spcPct val="0"/>
@@ -6749,7 +6939,7 @@
         <a:p>
           <a:pPr marL="0" lvl="0" indent="0" algn="ctr" defTabSz="889000">
             <a:lnSpc>
-              <a:spcPct val="90000"/>
+              <a:spcPct val="100000"/>
             </a:lnSpc>
             <a:spcBef>
               <a:spcPct val="0"/>
@@ -6767,7 +6957,7 @@
         <a:p>
           <a:pPr marL="0" lvl="0" indent="0" algn="ctr" defTabSz="889000">
             <a:lnSpc>
-              <a:spcPct val="90000"/>
+              <a:spcPct val="100000"/>
             </a:lnSpc>
             <a:spcBef>
               <a:spcPct val="0"/>
@@ -6785,7 +6975,7 @@
         <a:p>
           <a:pPr marL="0" lvl="0" indent="0" algn="ctr" defTabSz="889000">
             <a:lnSpc>
-              <a:spcPct val="90000"/>
+              <a:spcPct val="100000"/>
             </a:lnSpc>
             <a:spcBef>
               <a:spcPct val="0"/>
@@ -6802,8 +6992,8 @@
         </a:p>
       </dsp:txBody>
       <dsp:txXfrm>
-        <a:off x="335787" y="2476814"/>
-        <a:ext cx="4315781" cy="1836553"/>
+        <a:off x="340371" y="2407393"/>
+        <a:ext cx="4311566" cy="1913146"/>
       </dsp:txXfrm>
     </dsp:sp>
     <dsp:sp modelId="{51391541-3F0C-44A5-9902-436173026659}">
@@ -6813,8 +7003,8 @@
       </dsp:nvSpPr>
       <dsp:spPr>
         <a:xfrm>
-          <a:off x="6809459" y="7172"/>
-          <a:ext cx="1510523" cy="1510523"/>
+          <a:off x="6807721" y="0"/>
+          <a:ext cx="1509048" cy="1436205"/>
         </a:xfrm>
         <a:prstGeom prst="rect">
           <a:avLst/>
@@ -6862,8 +7052,8 @@
       </dsp:nvSpPr>
       <dsp:spPr>
         <a:xfrm>
-          <a:off x="5406830" y="1702862"/>
-          <a:ext cx="4315781" cy="687827"/>
+          <a:off x="5406462" y="1612847"/>
+          <a:ext cx="4311566" cy="712386"/>
         </a:xfrm>
         <a:prstGeom prst="rect">
           <a:avLst/>
@@ -6894,7 +7084,7 @@
         <a:p>
           <a:pPr marL="0" lvl="0" indent="0" algn="ctr" defTabSz="1066800">
             <a:lnSpc>
-              <a:spcPct val="90000"/>
+              <a:spcPct val="100000"/>
             </a:lnSpc>
             <a:spcBef>
               <a:spcPct val="0"/>
@@ -6906,14 +7096,14 @@
             <a:defRPr b="1"/>
           </a:pPr>
           <a:r>
-            <a:rPr lang="en-US" sz="2400" kern="1200"/>
+            <a:rPr lang="en-US" sz="2400" kern="1200" dirty="0"/>
             <a:t>High demand in the job market.</a:t>
           </a:r>
         </a:p>
       </dsp:txBody>
       <dsp:txXfrm>
-        <a:off x="5406830" y="1702862"/>
-        <a:ext cx="4315781" cy="687827"/>
+        <a:off x="5406462" y="1612847"/>
+        <a:ext cx="4311566" cy="712386"/>
       </dsp:txXfrm>
     </dsp:sp>
     <dsp:sp modelId="{77DBCF03-20BE-43F1-ADAE-79233FA47159}">
@@ -6923,8 +7113,8 @@
       </dsp:nvSpPr>
       <dsp:spPr>
         <a:xfrm>
-          <a:off x="5406830" y="2476814"/>
-          <a:ext cx="4315781" cy="1836553"/>
+          <a:off x="5406462" y="2407393"/>
+          <a:ext cx="4311566" cy="1913146"/>
         </a:xfrm>
         <a:prstGeom prst="rect">
           <a:avLst/>
@@ -6947,6 +7137,107 @@
         </a:effectRef>
         <a:fontRef idx="minor"/>
       </dsp:style>
+      <dsp:txBody>
+        <a:bodyPr spcFirstLastPara="0" vert="horz" wrap="square" lIns="0" tIns="0" rIns="0" bIns="0" numCol="1" spcCol="1270" anchor="t" anchorCtr="0">
+          <a:noAutofit/>
+        </a:bodyPr>
+        <a:lstStyle/>
+        <a:p>
+          <a:pPr marL="0" lvl="0" indent="0" algn="ctr" defTabSz="889000">
+            <a:lnSpc>
+              <a:spcPct val="100000"/>
+            </a:lnSpc>
+            <a:spcBef>
+              <a:spcPct val="0"/>
+            </a:spcBef>
+            <a:spcAft>
+              <a:spcPct val="35000"/>
+            </a:spcAft>
+            <a:buNone/>
+          </a:pPr>
+          <a:r>
+            <a:rPr lang="en-NL" sz="2000" kern="1200" dirty="0"/>
+            <a:t>Data Analysts</a:t>
+          </a:r>
+        </a:p>
+        <a:p>
+          <a:pPr marL="0" lvl="0" indent="0" algn="ctr" defTabSz="889000">
+            <a:lnSpc>
+              <a:spcPct val="100000"/>
+            </a:lnSpc>
+            <a:spcBef>
+              <a:spcPct val="0"/>
+            </a:spcBef>
+            <a:spcAft>
+              <a:spcPct val="35000"/>
+            </a:spcAft>
+            <a:buNone/>
+          </a:pPr>
+          <a:r>
+            <a:rPr lang="en-NL" sz="2000" kern="1200" dirty="0"/>
+            <a:t>Software engineers</a:t>
+          </a:r>
+        </a:p>
+        <a:p>
+          <a:pPr marL="0" lvl="0" indent="0" algn="ctr" defTabSz="889000">
+            <a:lnSpc>
+              <a:spcPct val="100000"/>
+            </a:lnSpc>
+            <a:spcBef>
+              <a:spcPct val="0"/>
+            </a:spcBef>
+            <a:spcAft>
+              <a:spcPct val="35000"/>
+            </a:spcAft>
+            <a:buNone/>
+          </a:pPr>
+          <a:r>
+            <a:rPr lang="en-NL" sz="2000" kern="1200" dirty="0"/>
+            <a:t>Robotics, IoT</a:t>
+          </a:r>
+        </a:p>
+        <a:p>
+          <a:pPr marL="0" lvl="0" indent="0" algn="ctr" defTabSz="889000">
+            <a:lnSpc>
+              <a:spcPct val="100000"/>
+            </a:lnSpc>
+            <a:spcBef>
+              <a:spcPct val="0"/>
+            </a:spcBef>
+            <a:spcAft>
+              <a:spcPct val="35000"/>
+            </a:spcAft>
+            <a:buNone/>
+          </a:pPr>
+          <a:r>
+            <a:rPr lang="en-NL" sz="2000" kern="1200" dirty="0"/>
+            <a:t>Bioinformatics</a:t>
+          </a:r>
+        </a:p>
+        <a:p>
+          <a:pPr marL="0" lvl="0" indent="0" algn="ctr" defTabSz="889000">
+            <a:lnSpc>
+              <a:spcPct val="100000"/>
+            </a:lnSpc>
+            <a:spcBef>
+              <a:spcPct val="0"/>
+            </a:spcBef>
+            <a:spcAft>
+              <a:spcPct val="35000"/>
+            </a:spcAft>
+            <a:buNone/>
+          </a:pPr>
+          <a:r>
+            <a:rPr lang="en-NL" sz="2000" kern="1200" dirty="0"/>
+            <a:t>Finance</a:t>
+          </a:r>
+          <a:endParaRPr lang="en-US" sz="2000" kern="1200" dirty="0"/>
+        </a:p>
+      </dsp:txBody>
+      <dsp:txXfrm>
+        <a:off x="5406462" y="2407393"/>
+        <a:ext cx="4311566" cy="1913146"/>
+      </dsp:txXfrm>
     </dsp:sp>
   </dsp:spTree>
 </dsp:drawing>
@@ -8378,12 +8669,8 @@
             <a:buNone/>
           </a:pPr>
           <a:r>
-            <a:rPr lang="en-NL" sz="2200" kern="1200" dirty="0"/>
-            <a:t>PHAETHON </a:t>
-          </a:r>
-          <a:r>
-            <a:rPr lang="en-NL" sz="2200" kern="1200" dirty="0" err="1"/>
-            <a:t>CoE</a:t>
+            <a:rPr lang="en-NL" sz="2200" kern="1200"/>
+            <a:t>PhD Student MME</a:t>
           </a:r>
           <a:endParaRPr lang="en-US" sz="2200" kern="1200" dirty="0"/>
         </a:p>
@@ -8545,25 +8832,6 @@
             <a:t>pherod01@ucy.ac.cy</a:t>
           </a:r>
           <a:endParaRPr lang="en-NL" sz="2200" kern="1200" dirty="0"/>
-        </a:p>
-        <a:p>
-          <a:pPr marL="0" lvl="0" indent="0" algn="l" defTabSz="977900">
-            <a:lnSpc>
-              <a:spcPct val="100000"/>
-            </a:lnSpc>
-            <a:spcBef>
-              <a:spcPct val="0"/>
-            </a:spcBef>
-            <a:spcAft>
-              <a:spcPct val="35000"/>
-            </a:spcAft>
-            <a:buNone/>
-          </a:pPr>
-          <a:r>
-            <a:rPr lang="en-NL" sz="2200" kern="1200" dirty="0"/>
-            <a:t>94055169</a:t>
-          </a:r>
-          <a:endParaRPr lang="en-US" sz="2200" kern="1200" dirty="0"/>
         </a:p>
       </dsp:txBody>
       <dsp:txXfrm>
@@ -15220,7 +15488,7 @@
           <a:p>
             <a:fld id="{F03627C9-3377-46AA-85C7-0705B2D5C399}" type="datetimeFigureOut">
               <a:rPr lang="en-US" smtClean="0"/>
-              <a:t>1/28/2025</a:t>
+              <a:t>1/29/2025</a:t>
             </a:fld>
             <a:endParaRPr lang="en-US"/>
           </a:p>
@@ -16417,7 +16685,7 @@
           <a:p>
             <a:fld id="{4BDF68E2-58F2-4D09-BE8B-E3BD06533059}" type="datetimeFigureOut">
               <a:rPr lang="en-US" dirty="0"/>
-              <a:t>1/28/2025</a:t>
+              <a:t>1/29/2025</a:t>
             </a:fld>
             <a:endParaRPr lang="en-US" dirty="0"/>
           </a:p>
@@ -16796,7 +17064,7 @@
           <a:p>
             <a:fld id="{C9CAD897-D46E-4AD2-BD9B-49DD3E640873}" type="datetimeFigureOut">
               <a:rPr lang="en-US" dirty="0"/>
-              <a:t>1/28/2025</a:t>
+              <a:t>1/29/2025</a:t>
             </a:fld>
             <a:endParaRPr lang="en-US" dirty="0"/>
           </a:p>
@@ -16961,7 +17229,7 @@
           <a:p>
             <a:fld id="{2E2D6473-DF6D-4702-B328-E0DD40540A4E}" type="datetimeFigureOut">
               <a:rPr lang="en-US" dirty="0"/>
-              <a:t>1/28/2025</a:t>
+              <a:t>1/29/2025</a:t>
             </a:fld>
             <a:endParaRPr lang="en-US" dirty="0"/>
           </a:p>
@@ -17212,7 +17480,7 @@
           <a:p>
             <a:fld id="{E26F7E3A-B166-407D-9866-32884E7D5B37}" type="datetimeFigureOut">
               <a:rPr lang="en-US" dirty="0"/>
-              <a:t>1/28/2025</a:t>
+              <a:t>1/29/2025</a:t>
             </a:fld>
             <a:endParaRPr lang="en-US" dirty="0"/>
           </a:p>
@@ -17336,7 +17604,7 @@
           <a:p>
             <a:fld id="{98624D31-43A5-475A-80CF-332C9F6DCF35}" type="datetimeFigureOut">
               <a:rPr lang="en-US" smtClean="0"/>
-              <a:t>1/28/2025</a:t>
+              <a:t>1/29/2025</a:t>
             </a:fld>
             <a:endParaRPr lang="en-US" dirty="0"/>
           </a:p>
@@ -17523,7 +17791,7 @@
           <a:p>
             <a:fld id="{528FC5F6-F338-4AE4-BB23-26385BCFC423}" type="datetimeFigureOut">
               <a:rPr lang="en-US" dirty="0"/>
-              <a:t>1/28/2025</a:t>
+              <a:t>1/29/2025</a:t>
             </a:fld>
             <a:endParaRPr lang="en-US" dirty="0"/>
           </a:p>
@@ -17861,7 +18129,7 @@
           <a:p>
             <a:fld id="{20EBB0C4-6273-4C6E-B9BD-2EDC30F1CD52}" type="datetimeFigureOut">
               <a:rPr lang="en-US" dirty="0"/>
-              <a:t>1/28/2025</a:t>
+              <a:t>1/29/2025</a:t>
             </a:fld>
             <a:endParaRPr lang="en-US" dirty="0"/>
           </a:p>
@@ -18131,7 +18399,7 @@
           <a:p>
             <a:fld id="{19AB4D41-86C1-4908-B66A-0B50CEB3BF29}" type="datetimeFigureOut">
               <a:rPr lang="en-US" dirty="0"/>
-              <a:t>1/28/2025</a:t>
+              <a:t>1/29/2025</a:t>
             </a:fld>
             <a:endParaRPr lang="en-US" dirty="0"/>
           </a:p>
@@ -18505,7 +18773,7 @@
           <a:p>
             <a:fld id="{E6426E2C-56C1-4E0D-A793-0088A7FDD37E}" type="datetimeFigureOut">
               <a:rPr lang="en-US" dirty="0"/>
-              <a:t>1/28/2025</a:t>
+              <a:t>1/29/2025</a:t>
             </a:fld>
             <a:endParaRPr lang="en-US" dirty="0"/>
           </a:p>
@@ -18618,7 +18886,7 @@
           <a:p>
             <a:fld id="{C8C39B41-D8B5-4052-B551-9B5525EAA8B6}" type="datetimeFigureOut">
               <a:rPr lang="en-US" dirty="0"/>
-              <a:t>1/28/2025</a:t>
+              <a:t>1/29/2025</a:t>
             </a:fld>
             <a:endParaRPr lang="en-US" dirty="0"/>
           </a:p>
@@ -18784,7 +19052,7 @@
           <a:p>
             <a:fld id="{4D94136C-8742-45B2-AF27-D93DF72833A9}" type="datetimeFigureOut">
               <a:rPr lang="en-US" dirty="0"/>
-              <a:t>1/28/2025</a:t>
+              <a:t>1/29/2025</a:t>
             </a:fld>
             <a:endParaRPr lang="en-US" dirty="0"/>
           </a:p>
@@ -19134,7 +19402,7 @@
           <a:p>
             <a:fld id="{32ABBEA6-7C60-4B02-AE87-00D78D8422AF}" type="datetimeFigureOut">
               <a:rPr lang="en-US" dirty="0"/>
-              <a:t>1/28/2025</a:t>
+              <a:t>1/29/2025</a:t>
             </a:fld>
             <a:endParaRPr lang="en-US" dirty="0"/>
           </a:p>
@@ -19451,7 +19719,7 @@
           <a:p>
             <a:fld id="{98624D31-43A5-475A-80CF-332C9F6DCF35}" type="datetimeFigureOut">
               <a:rPr lang="en-US" dirty="0"/>
-              <a:t>1/28/2025</a:t>
+              <a:t>1/29/2025</a:t>
             </a:fld>
             <a:endParaRPr lang="en-US" dirty="0"/>
           </a:p>
@@ -20811,11 +21079,7 @@
                     <a:p>
                       <a:r>
                         <a:rPr lang="en-NL" sz="2800" dirty="0"/>
-                        <a:t>L6 ? </a:t>
-                      </a:r>
-                      <a:r>
-                        <a:rPr lang="en-NL" sz="2800"/>
-                        <a:t>Bonus</a:t>
+                        <a:t>L6 ? Bonus</a:t>
                       </a:r>
                       <a:endParaRPr lang="en-US" sz="2800" dirty="0"/>
                     </a:p>
@@ -20922,7 +21186,7 @@
             <p:ph idx="1"/>
             <p:extLst>
               <p:ext uri="{D42A27DB-BD31-4B8C-83A1-F6EECF244321}">
-                <p14:modId xmlns:p14="http://schemas.microsoft.com/office/powerpoint/2010/main" val="1407836500"/>
+                <p14:modId xmlns:p14="http://schemas.microsoft.com/office/powerpoint/2010/main" val="3047001804"/>
               </p:ext>
             </p:extLst>
           </p:nvPr>
@@ -21566,45 +21830,8 @@
                 </a:highlight>
                 <a:latin typeface="Söhne"/>
               </a:rPr>
-              <a:t>Python Setup: Installation, environment, </a:t>
+              <a:t>Python Setup: Installation, environment, Notebooks</a:t>
             </a:r>
-            <a:r>
-              <a:rPr lang="en-NL" i="0" dirty="0" err="1">
-                <a:effectLst/>
-                <a:highlight>
-                  <a:srgbClr val="FFFFFF"/>
-                </a:highlight>
-                <a:latin typeface="Söhne"/>
-              </a:rPr>
-              <a:t>Jupyter</a:t>
-            </a:r>
-            <a:r>
-              <a:rPr lang="en-NL" i="0" dirty="0">
-                <a:effectLst/>
-                <a:highlight>
-                  <a:srgbClr val="FFFFFF"/>
-                </a:highlight>
-                <a:latin typeface="Söhne"/>
-              </a:rPr>
-              <a:t> Notebooks, Git &amp; </a:t>
-            </a:r>
-            <a:r>
-              <a:rPr lang="en-NL" i="0" dirty="0" err="1">
-                <a:effectLst/>
-                <a:highlight>
-                  <a:srgbClr val="FFFFFF"/>
-                </a:highlight>
-                <a:latin typeface="Söhne"/>
-              </a:rPr>
-              <a:t>Github</a:t>
-            </a:r>
-            <a:endParaRPr lang="en-NL" i="0" dirty="0">
-              <a:effectLst/>
-              <a:highlight>
-                <a:srgbClr val="FFFFFF"/>
-              </a:highlight>
-              <a:latin typeface="Söhne"/>
-            </a:endParaRPr>
           </a:p>
           <a:p>
             <a:pPr>
@@ -22020,7 +22247,7 @@
           <a:p>
             <a:r>
               <a:rPr lang="en-NL" dirty="0"/>
-              <a:t>Course Resources</a:t>
+              <a:t>Resources</a:t>
             </a:r>
             <a:endParaRPr lang="en-US" dirty="0"/>
           </a:p>
@@ -22044,16 +22271,96 @@
         </p:nvSpPr>
         <p:spPr/>
         <p:txBody>
-          <a:bodyPr/>
+          <a:bodyPr>
+            <a:normAutofit fontScale="77500" lnSpcReduction="20000"/>
+          </a:bodyPr>
           <a:lstStyle/>
           <a:p>
             <a:pPr marL="0" indent="0">
               <a:buNone/>
             </a:pPr>
             <a:r>
+              <a:rPr lang="en-NL" b="1" i="0" dirty="0">
+                <a:solidFill>
+                  <a:srgbClr val="000000"/>
+                </a:solidFill>
+                <a:effectLst/>
+                <a:latin typeface="-apple-system"/>
+              </a:rPr>
+              <a:t>Documentation</a:t>
+            </a:r>
+          </a:p>
+          <a:p>
+            <a:pPr>
+              <a:buFont typeface="Wingdings" panose="05000000000000000000" pitchFamily="2" charset="2"/>
+              <a:buChar char="v"/>
+            </a:pPr>
+            <a:r>
+              <a:rPr lang="en-US" i="0" dirty="0">
+                <a:solidFill>
+                  <a:srgbClr val="000000"/>
+                </a:solidFill>
+                <a:effectLst/>
+                <a:latin typeface="-apple-system"/>
+              </a:rPr>
+              <a:t>Python 3.13.1 documentation</a:t>
+            </a:r>
+            <a:r>
+              <a:rPr lang="en-NL" i="0" dirty="0">
+                <a:solidFill>
+                  <a:srgbClr val="000000"/>
+                </a:solidFill>
+                <a:effectLst/>
+                <a:latin typeface="-apple-system"/>
+              </a:rPr>
+              <a:t>, </a:t>
+            </a:r>
+            <a:r>
+              <a:rPr lang="en-NL" dirty="0">
+                <a:hlinkClick r:id="rId3"/>
+              </a:rPr>
+              <a:t>https://docs.python.org/3/</a:t>
+            </a:r>
+            <a:endParaRPr lang="en-NL" dirty="0"/>
+          </a:p>
+          <a:p>
+            <a:pPr>
+              <a:buFont typeface="Wingdings" panose="05000000000000000000" pitchFamily="2" charset="2"/>
+              <a:buChar char="v"/>
+            </a:pPr>
+            <a:r>
+              <a:rPr lang="en-NL" dirty="0"/>
+              <a:t>Anaconda documentation, </a:t>
+            </a:r>
+            <a:r>
+              <a:rPr lang="en-NL" dirty="0">
+                <a:hlinkClick r:id="rId4"/>
+              </a:rPr>
+              <a:t>https://docs.anaconda.com/</a:t>
+            </a:r>
+            <a:endParaRPr lang="en-NL" dirty="0"/>
+          </a:p>
+          <a:p>
+            <a:pPr marL="0" indent="0">
+              <a:buNone/>
+            </a:pPr>
+            <a:r>
               <a:rPr lang="en-NL" b="1" dirty="0"/>
-              <a:t>Course Resources:</a:t>
+              <a:t>Online Courses</a:t>
             </a:r>
+          </a:p>
+          <a:p>
+            <a:pPr>
+              <a:buFont typeface="Wingdings" panose="05000000000000000000" pitchFamily="2" charset="2"/>
+              <a:buChar char="v"/>
+            </a:pPr>
+            <a:r>
+              <a:rPr lang="en-NL" dirty="0">
+                <a:hlinkClick r:id="rId5"/>
+              </a:rPr>
+              <a:t>https://www.codecademy.com/catalog/language/python</a:t>
+            </a:r>
+            <a:endParaRPr lang="en-NL" dirty="0"/>
           </a:p>
           <a:p>
             <a:pPr>
@@ -22082,7 +22389,43 @@
             </a:r>
             <a:r>
               <a:rPr lang="en-US" dirty="0"/>
-              <a:t>: The Complete Python Bootcamp From Zero to Hero in Python. Technical report, 2012.</a:t>
+              <a:t>: The Complete Python Bootcamp From Zero to Hero in Python.</a:t>
+            </a:r>
+            <a:r>
+              <a:rPr lang="en-NL" dirty="0"/>
+              <a:t> </a:t>
+            </a:r>
+            <a:r>
+              <a:rPr lang="en-NL" dirty="0">
+                <a:hlinkClick r:id="rId6"/>
+              </a:rPr>
+              <a:t>https://www.udemy.com/course/complete-python-bootcamp/?couponCode=ACCAGE0923</a:t>
+            </a:r>
+            <a:endParaRPr lang="en-NL" dirty="0"/>
+          </a:p>
+          <a:p>
+            <a:pPr marL="0" indent="0">
+              <a:buNone/>
+            </a:pPr>
+            <a:r>
+              <a:rPr lang="en-NL" b="1" dirty="0" err="1"/>
+              <a:t>Youtube</a:t>
+            </a:r>
+            <a:r>
+              <a:rPr lang="en-NL" b="1" dirty="0"/>
+              <a:t> Videos</a:t>
+            </a:r>
+          </a:p>
+          <a:p>
+            <a:pPr>
+              <a:buFont typeface="Wingdings" panose="05000000000000000000" pitchFamily="2" charset="2"/>
+              <a:buChar char="v"/>
+            </a:pPr>
+            <a:r>
+              <a:rPr lang="en-NL" dirty="0">
+                <a:hlinkClick r:id="rId7"/>
+              </a:rPr>
+              <a:t>https://www.youtube.com/watch?v=_uQrJ0TkZlc</a:t>
             </a:r>
             <a:endParaRPr lang="en-NL" dirty="0"/>
           </a:p>
@@ -22093,18 +22436,20 @@
             </a:pPr>
             <a:r>
               <a:rPr lang="en-NL" dirty="0">
-                <a:hlinkClick r:id="rId3"/>
+                <a:hlinkClick r:id="rId8"/>
               </a:rPr>
-              <a:t>https://www.udemy.com/course/complete-python-bootcamp/?couponCode=ACCAGE0923</a:t>
+              <a:t>https://www.youtube.com/watch?v=H2EJuAcrZYU</a:t>
             </a:r>
             <a:endParaRPr lang="en-NL" dirty="0"/>
           </a:p>
           <a:p>
-            <a:pPr>
-              <a:buFont typeface="Wingdings" panose="05000000000000000000" pitchFamily="2" charset="2"/>
-              <a:buChar char="v"/>
+            <a:pPr marL="0" indent="0">
+              <a:buNone/>
             </a:pPr>
-            <a:endParaRPr lang="en-NL" dirty="0"/>
+            <a:r>
+              <a:rPr lang="en-NL" b="1" dirty="0"/>
+              <a:t>Other</a:t>
+            </a:r>
           </a:p>
           <a:p>
             <a:pPr>
@@ -22112,8 +22457,135 @@
               <a:buChar char="v"/>
             </a:pPr>
             <a:r>
-              <a:rPr lang="en-NL" dirty="0"/>
-              <a:t>ChatGPT generated Code</a:t>
+              <a:rPr lang="fr-FR" b="0" i="0" dirty="0" err="1">
+                <a:solidFill>
+                  <a:srgbClr val="000000"/>
+                </a:solidFill>
+                <a:effectLst/>
+                <a:latin typeface="ProximaNova"/>
+              </a:rPr>
+              <a:t>OpenAI</a:t>
+            </a:r>
+            <a:r>
+              <a:rPr lang="fr-FR" b="0" i="0" dirty="0">
+                <a:solidFill>
+                  <a:srgbClr val="000000"/>
+                </a:solidFill>
+                <a:effectLst/>
+                <a:latin typeface="ProximaNova"/>
+              </a:rPr>
+              <a:t>. (202</a:t>
+            </a:r>
+            <a:r>
+              <a:rPr lang="en-NL" b="0" i="0" dirty="0">
+                <a:solidFill>
+                  <a:srgbClr val="000000"/>
+                </a:solidFill>
+                <a:effectLst/>
+                <a:latin typeface="ProximaNova"/>
+              </a:rPr>
+              <a:t>5</a:t>
+            </a:r>
+            <a:r>
+              <a:rPr lang="fr-FR" b="0" i="0" dirty="0">
+                <a:solidFill>
+                  <a:srgbClr val="000000"/>
+                </a:solidFill>
+                <a:effectLst/>
+                <a:latin typeface="ProximaNova"/>
+              </a:rPr>
+              <a:t>). </a:t>
+            </a:r>
+            <a:r>
+              <a:rPr lang="fr-FR" b="0" i="1" dirty="0" err="1">
+                <a:solidFill>
+                  <a:srgbClr val="000000"/>
+                </a:solidFill>
+                <a:effectLst/>
+                <a:latin typeface="ProximaNova"/>
+              </a:rPr>
+              <a:t>ChatGPT</a:t>
+            </a:r>
+            <a:r>
+              <a:rPr lang="fr-FR" b="0" i="0" dirty="0">
+                <a:solidFill>
+                  <a:srgbClr val="000000"/>
+                </a:solidFill>
+                <a:effectLst/>
+                <a:latin typeface="ProximaNova"/>
+              </a:rPr>
+              <a:t> (</a:t>
+            </a:r>
+            <a:r>
+              <a:rPr lang="en-NL" b="0" i="0" dirty="0">
+                <a:solidFill>
+                  <a:srgbClr val="000000"/>
+                </a:solidFill>
+                <a:effectLst/>
+                <a:latin typeface="ProximaNova"/>
+              </a:rPr>
+              <a:t>o1 version</a:t>
+            </a:r>
+            <a:r>
+              <a:rPr lang="fr-FR" b="0" i="0" dirty="0">
+                <a:solidFill>
+                  <a:srgbClr val="000000"/>
+                </a:solidFill>
+                <a:effectLst/>
+                <a:latin typeface="ProximaNova"/>
+              </a:rPr>
+              <a:t>) [Large </a:t>
+            </a:r>
+            <a:r>
+              <a:rPr lang="fr-FR" b="0" i="0" dirty="0" err="1">
+                <a:solidFill>
+                  <a:srgbClr val="000000"/>
+                </a:solidFill>
+                <a:effectLst/>
+                <a:latin typeface="ProximaNova"/>
+              </a:rPr>
+              <a:t>language</a:t>
+            </a:r>
+            <a:r>
+              <a:rPr lang="fr-FR" b="0" i="0" dirty="0">
+                <a:solidFill>
+                  <a:srgbClr val="000000"/>
+                </a:solidFill>
+                <a:effectLst/>
+                <a:latin typeface="ProximaNova"/>
+              </a:rPr>
+              <a:t> model].</a:t>
+            </a:r>
+            <a:r>
+              <a:rPr lang="en-NL" b="0" i="0" dirty="0">
+                <a:solidFill>
+                  <a:srgbClr val="000000"/>
+                </a:solidFill>
+                <a:effectLst/>
+                <a:latin typeface="ProximaNova"/>
+              </a:rPr>
+              <a:t> </a:t>
+            </a:r>
+            <a:r>
+              <a:rPr lang="en-NL" b="0" i="0" dirty="0">
+                <a:solidFill>
+                  <a:srgbClr val="000000"/>
+                </a:solidFill>
+                <a:effectLst/>
+                <a:latin typeface="ProximaNova"/>
+                <a:hlinkClick r:id="rId9"/>
+              </a:rPr>
+              <a:t>https://chatgpt.com</a:t>
+            </a:r>
+            <a:r>
+              <a:rPr lang="en-NL" b="0" i="0" dirty="0">
+                <a:solidFill>
+                  <a:srgbClr val="000000"/>
+                </a:solidFill>
+                <a:effectLst/>
+                <a:latin typeface="ProximaNova"/>
+              </a:rPr>
+              <a:t> </a:t>
             </a:r>
             <a:endParaRPr lang="en-US" dirty="0"/>
           </a:p>
@@ -22599,7 +23071,7 @@
             <p:ph idx="1"/>
             <p:extLst>
               <p:ext uri="{D42A27DB-BD31-4B8C-83A1-F6EECF244321}">
-                <p14:modId xmlns:p14="http://schemas.microsoft.com/office/powerpoint/2010/main" val="634514767"/>
+                <p14:modId xmlns:p14="http://schemas.microsoft.com/office/powerpoint/2010/main" val="1427841242"/>
               </p:ext>
             </p:extLst>
           </p:nvPr>
